--- a/1er Présentation.pptx
+++ b/1er Présentation.pptx
@@ -7840,6 +7840,12 @@
             </a:r>
           </a:p>
           <a:p>
+            <a:r>
+              <a:rPr lang="fr-FR" dirty="0"/>
+              <a:t>Mise à jours </a:t>
+            </a:r>
+          </a:p>
+          <a:p>
             <a:pPr marL="0" indent="0">
               <a:buNone/>
             </a:pPr>
@@ -7865,7 +7871,7 @@
           <a:p>
             <a:r>
               <a:rPr lang="fr-FR" dirty="0"/>
-              <a:t>Mise à jours</a:t>
+              <a:t>Modification </a:t>
             </a:r>
           </a:p>
           <a:p>
@@ -8020,7 +8026,13 @@
       </p:sp>
       <p:pic>
         <p:nvPicPr>
-          <p:cNvPr id="4" name="Espace réservé du contenu 3" descr="Pharmacie"/>
+          <p:cNvPr id="7" name="Espace réservé du contenu 6">
+            <a:extLst>
+              <a:ext uri="{FF2B5EF4-FFF2-40B4-BE49-F238E27FC236}">
+                <a16:creationId xmlns:a16="http://schemas.microsoft.com/office/drawing/2014/main" id="{971445E8-DE84-45E3-B987-8610448E370E}"/>
+              </a:ext>
+            </a:extLst>
+          </p:cNvPr>
           <p:cNvPicPr>
             <a:picLocks noGrp="1" noChangeAspect="1"/>
           </p:cNvPicPr>
@@ -8036,12 +8048,9 @@
         </p:blipFill>
         <p:spPr>
           <a:xfrm>
-            <a:off x="1012825" y="848360"/>
-            <a:ext cx="10799445" cy="5982335"/>
+            <a:off x="2524897" y="848360"/>
+            <a:ext cx="6849922" cy="5761524"/>
           </a:xfrm>
-          <a:prstGeom prst="rect">
-            <a:avLst/>
-          </a:prstGeom>
         </p:spPr>
       </p:pic>
     </p:spTree>

--- a/1er Présentation.pptx
+++ b/1er Présentation.pptx
@@ -7255,7 +7255,7 @@
           <a:p>
             <a:r>
               <a:rPr lang="fr-FR" dirty="0"/>
-              <a:t>Introduction :</a:t>
+              <a:t>Plan :</a:t>
             </a:r>
           </a:p>
         </p:txBody>
@@ -7272,7 +7272,9 @@
         </p:nvSpPr>
         <p:spPr/>
         <p:txBody>
-          <a:bodyPr/>
+          <a:bodyPr>
+            <a:normAutofit lnSpcReduction="10000"/>
+          </a:bodyPr>
           <a:lstStyle/>
           <a:p>
             <a:r>
@@ -7292,6 +7294,31 @@
           </a:p>
           <a:p>
             <a:r>
+              <a:rPr lang="fr-FR" sz="3200" b="1" dirty="0"/>
+              <a:t>Technologie et Outils</a:t>
+            </a:r>
+            <a:endParaRPr lang="fr-FR" sz="3200" b="1" dirty="0">
+              <a:sym typeface="+mn-ea"/>
+            </a:endParaRPr>
+          </a:p>
+          <a:p>
+            <a:r>
+              <a:rPr lang="fr-FR" sz="3200" b="1" dirty="0">
+                <a:sym typeface="+mn-ea"/>
+              </a:rPr>
+              <a:t>Diagramme de use case</a:t>
+            </a:r>
+          </a:p>
+          <a:p>
+            <a:r>
+              <a:rPr lang="fr-FR" sz="3200" b="1" dirty="0">
+                <a:sym typeface="+mn-ea"/>
+              </a:rPr>
+              <a:t>Diagramme de classe</a:t>
+            </a:r>
+          </a:p>
+          <a:p>
+            <a:r>
               <a:rPr lang="fr-FR" sz="3200" b="1" dirty="0">
                 <a:sym typeface="+mn-ea"/>
               </a:rPr>
@@ -7299,26 +7326,15 @@
             </a:r>
           </a:p>
           <a:p>
-            <a:r>
-              <a:rPr lang="fr-FR" sz="3200" b="1">
-                <a:sym typeface="+mn-ea"/>
-              </a:rPr>
-              <a:t>Diagramme de use case</a:t>
-            </a:r>
-          </a:p>
-          <a:p>
-            <a:r>
-              <a:rPr lang="fr-FR" sz="3200" b="1">
-                <a:sym typeface="+mn-ea"/>
-              </a:rPr>
-              <a:t>Diagramme de classe</a:t>
-            </a:r>
+            <a:endParaRPr lang="fr-FR" sz="3200" b="1" dirty="0">
+              <a:sym typeface="+mn-ea"/>
+            </a:endParaRPr>
           </a:p>
           <a:p>
             <a:pPr marL="0" indent="0">
               <a:buNone/>
             </a:pPr>
-            <a:endParaRPr lang="fr-FR" sz="3200" b="1"/>
+            <a:endParaRPr lang="fr-FR" sz="3200" b="1" dirty="0"/>
           </a:p>
         </p:txBody>
       </p:sp>
@@ -7364,7 +7380,7 @@
           <a:p>
             <a:r>
               <a:rPr lang="fr-FR" dirty="0"/>
-              <a:t>Objectif :</a:t>
+              <a:t>Objectifs :</a:t>
             </a:r>
           </a:p>
         </p:txBody>
@@ -7841,8 +7857,12 @@
           </a:p>
           <a:p>
             <a:r>
+              <a:rPr lang="fr-FR"/>
+              <a:t>Mises </a:t>
+            </a:r>
+            <a:r>
               <a:rPr lang="fr-FR" dirty="0"/>
-              <a:t>Mise à jours </a:t>
+              <a:t>à jours </a:t>
             </a:r>
           </a:p>
           <a:p>
@@ -8026,10 +8046,10 @@
       </p:sp>
       <p:pic>
         <p:nvPicPr>
-          <p:cNvPr id="7" name="Espace réservé du contenu 6">
+          <p:cNvPr id="11" name="Espace réservé du contenu 10">
             <a:extLst>
               <a:ext uri="{FF2B5EF4-FFF2-40B4-BE49-F238E27FC236}">
-                <a16:creationId xmlns:a16="http://schemas.microsoft.com/office/drawing/2014/main" id="{971445E8-DE84-45E3-B987-8610448E370E}"/>
+                <a16:creationId xmlns:a16="http://schemas.microsoft.com/office/drawing/2014/main" id="{B78F125C-F67C-49F5-9765-38E3CEEB874D}"/>
               </a:ext>
             </a:extLst>
           </p:cNvPr>
@@ -8048,8 +8068,8 @@
         </p:blipFill>
         <p:spPr>
           <a:xfrm>
-            <a:off x="2524897" y="848360"/>
-            <a:ext cx="6849922" cy="5761524"/>
+            <a:off x="2586361" y="870568"/>
+            <a:ext cx="7019278" cy="5910060"/>
           </a:xfrm>
         </p:spPr>
       </p:pic>
